--- a/Java8.pptx
+++ b/Java8.pptx
@@ -38,6 +38,18 @@
     <p:sldId id="284" r:id="rId32"/>
     <p:sldId id="288" r:id="rId33"/>
     <p:sldId id="289" r:id="rId34"/>
+    <p:sldId id="290" r:id="rId35"/>
+    <p:sldId id="291" r:id="rId36"/>
+    <p:sldId id="292" r:id="rId37"/>
+    <p:sldId id="293" r:id="rId38"/>
+    <p:sldId id="294" r:id="rId39"/>
+    <p:sldId id="295" r:id="rId40"/>
+    <p:sldId id="296" r:id="rId41"/>
+    <p:sldId id="297" r:id="rId42"/>
+    <p:sldId id="298" r:id="rId43"/>
+    <p:sldId id="299" r:id="rId44"/>
+    <p:sldId id="300" r:id="rId45"/>
+    <p:sldId id="301" r:id="rId46"/>
   </p:sldIdLst>
   <p:sldSz cx="12192000" cy="6858000"/>
   <p:notesSz cx="6858000" cy="9144000"/>
@@ -291,7 +303,7 @@
           <a:p>
             <a:fld id="{C3196889-D21D-4FAA-AC9D-C04AD152D606}" type="datetimeFigureOut">
               <a:rPr lang="en-US" smtClean="0"/>
-              <a:t>6/30/2020</a:t>
+              <a:t>7/2/2020</a:t>
             </a:fld>
             <a:endParaRPr lang="en-US"/>
           </a:p>
@@ -489,7 +501,7 @@
           <a:p>
             <a:fld id="{C3196889-D21D-4FAA-AC9D-C04AD152D606}" type="datetimeFigureOut">
               <a:rPr lang="en-US" smtClean="0"/>
-              <a:t>6/30/2020</a:t>
+              <a:t>7/2/2020</a:t>
             </a:fld>
             <a:endParaRPr lang="en-US"/>
           </a:p>
@@ -697,7 +709,7 @@
           <a:p>
             <a:fld id="{C3196889-D21D-4FAA-AC9D-C04AD152D606}" type="datetimeFigureOut">
               <a:rPr lang="en-US" smtClean="0"/>
-              <a:t>6/30/2020</a:t>
+              <a:t>7/2/2020</a:t>
             </a:fld>
             <a:endParaRPr lang="en-US"/>
           </a:p>
@@ -895,7 +907,7 @@
           <a:p>
             <a:fld id="{C3196889-D21D-4FAA-AC9D-C04AD152D606}" type="datetimeFigureOut">
               <a:rPr lang="en-US" smtClean="0"/>
-              <a:t>6/30/2020</a:t>
+              <a:t>7/2/2020</a:t>
             </a:fld>
             <a:endParaRPr lang="en-US"/>
           </a:p>
@@ -1170,7 +1182,7 @@
           <a:p>
             <a:fld id="{C3196889-D21D-4FAA-AC9D-C04AD152D606}" type="datetimeFigureOut">
               <a:rPr lang="en-US" smtClean="0"/>
-              <a:t>6/30/2020</a:t>
+              <a:t>7/2/2020</a:t>
             </a:fld>
             <a:endParaRPr lang="en-US"/>
           </a:p>
@@ -1435,7 +1447,7 @@
           <a:p>
             <a:fld id="{C3196889-D21D-4FAA-AC9D-C04AD152D606}" type="datetimeFigureOut">
               <a:rPr lang="en-US" smtClean="0"/>
-              <a:t>6/30/2020</a:t>
+              <a:t>7/2/2020</a:t>
             </a:fld>
             <a:endParaRPr lang="en-US"/>
           </a:p>
@@ -1847,7 +1859,7 @@
           <a:p>
             <a:fld id="{C3196889-D21D-4FAA-AC9D-C04AD152D606}" type="datetimeFigureOut">
               <a:rPr lang="en-US" smtClean="0"/>
-              <a:t>6/30/2020</a:t>
+              <a:t>7/2/2020</a:t>
             </a:fld>
             <a:endParaRPr lang="en-US"/>
           </a:p>
@@ -1988,7 +2000,7 @@
           <a:p>
             <a:fld id="{C3196889-D21D-4FAA-AC9D-C04AD152D606}" type="datetimeFigureOut">
               <a:rPr lang="en-US" smtClean="0"/>
-              <a:t>6/30/2020</a:t>
+              <a:t>7/2/2020</a:t>
             </a:fld>
             <a:endParaRPr lang="en-US"/>
           </a:p>
@@ -2101,7 +2113,7 @@
           <a:p>
             <a:fld id="{C3196889-D21D-4FAA-AC9D-C04AD152D606}" type="datetimeFigureOut">
               <a:rPr lang="en-US" smtClean="0"/>
-              <a:t>6/30/2020</a:t>
+              <a:t>7/2/2020</a:t>
             </a:fld>
             <a:endParaRPr lang="en-US"/>
           </a:p>
@@ -2412,7 +2424,7 @@
           <a:p>
             <a:fld id="{C3196889-D21D-4FAA-AC9D-C04AD152D606}" type="datetimeFigureOut">
               <a:rPr lang="en-US" smtClean="0"/>
-              <a:t>6/30/2020</a:t>
+              <a:t>7/2/2020</a:t>
             </a:fld>
             <a:endParaRPr lang="en-US"/>
           </a:p>
@@ -2700,7 +2712,7 @@
           <a:p>
             <a:fld id="{C3196889-D21D-4FAA-AC9D-C04AD152D606}" type="datetimeFigureOut">
               <a:rPr lang="en-US" smtClean="0"/>
-              <a:t>6/30/2020</a:t>
+              <a:t>7/2/2020</a:t>
             </a:fld>
             <a:endParaRPr lang="en-US"/>
           </a:p>
@@ -2941,7 +2953,7 @@
           <a:p>
             <a:fld id="{C3196889-D21D-4FAA-AC9D-C04AD152D606}" type="datetimeFigureOut">
               <a:rPr lang="en-US" smtClean="0"/>
-              <a:t>6/30/2020</a:t>
+              <a:t>7/2/2020</a:t>
             </a:fld>
             <a:endParaRPr lang="en-US"/>
           </a:p>
@@ -9795,55 +9807,103 @@
           <a:lstStyle/>
           <a:p>
             <a:r>
-              <a:rPr lang="en-US" dirty="0"/>
+              <a:rPr lang="en-US" dirty="0">
+                <a:highlight>
+                  <a:srgbClr val="FFFF00"/>
+                </a:highlight>
+              </a:rPr>
               <a:t>Predicate</a:t>
             </a:r>
           </a:p>
           <a:p>
             <a:r>
-              <a:rPr lang="en-US" dirty="0"/>
+              <a:rPr lang="en-US" dirty="0">
+                <a:highlight>
+                  <a:srgbClr val="FFFF00"/>
+                </a:highlight>
+              </a:rPr>
               <a:t>Consumer</a:t>
             </a:r>
           </a:p>
           <a:p>
             <a:r>
-              <a:rPr lang="en-US" dirty="0"/>
+              <a:rPr lang="en-US" dirty="0">
+                <a:highlight>
+                  <a:srgbClr val="FFFF00"/>
+                </a:highlight>
+              </a:rPr>
               <a:t>Supplier</a:t>
             </a:r>
           </a:p>
           <a:p>
             <a:r>
-              <a:rPr lang="en-US" dirty="0"/>
+              <a:rPr lang="en-US" dirty="0">
+                <a:highlight>
+                  <a:srgbClr val="FFFF00"/>
+                </a:highlight>
+              </a:rPr>
               <a:t>Function</a:t>
             </a:r>
           </a:p>
           <a:p>
             <a:r>
-              <a:rPr lang="en-US" dirty="0" err="1"/>
+              <a:rPr lang="en-US" dirty="0" err="1">
+                <a:highlight>
+                  <a:srgbClr val="FFFF00"/>
+                </a:highlight>
+              </a:rPr>
               <a:t>BiFunction</a:t>
             </a:r>
-            <a:endParaRPr lang="en-US" dirty="0"/>
-          </a:p>
-          <a:p>
-            <a:r>
-              <a:rPr lang="en-US" dirty="0" err="1"/>
+            <a:endParaRPr lang="en-US" dirty="0">
+              <a:highlight>
+                <a:srgbClr val="FFFF00"/>
+              </a:highlight>
+            </a:endParaRPr>
+          </a:p>
+          <a:p>
+            <a:r>
+              <a:rPr lang="en-US" dirty="0" err="1">
+                <a:highlight>
+                  <a:srgbClr val="FFFF00"/>
+                </a:highlight>
+              </a:rPr>
               <a:t>BiPredicate</a:t>
             </a:r>
-            <a:endParaRPr lang="en-US" dirty="0"/>
-          </a:p>
-          <a:p>
-            <a:r>
-              <a:rPr lang="en-US" dirty="0" err="1"/>
+            <a:endParaRPr lang="en-US" dirty="0">
+              <a:highlight>
+                <a:srgbClr val="FFFF00"/>
+              </a:highlight>
+            </a:endParaRPr>
+          </a:p>
+          <a:p>
+            <a:r>
+              <a:rPr lang="en-US" dirty="0" err="1">
+                <a:highlight>
+                  <a:srgbClr val="FFFF00"/>
+                </a:highlight>
+              </a:rPr>
               <a:t>BiConsumer</a:t>
             </a:r>
-            <a:endParaRPr lang="en-US" dirty="0"/>
-          </a:p>
-          <a:p>
-            <a:r>
-              <a:rPr lang="en-US" dirty="0" err="1"/>
+            <a:endParaRPr lang="en-US" dirty="0">
+              <a:highlight>
+                <a:srgbClr val="FFFF00"/>
+              </a:highlight>
+            </a:endParaRPr>
+          </a:p>
+          <a:p>
+            <a:r>
+              <a:rPr lang="en-US" dirty="0" err="1">
+                <a:highlight>
+                  <a:srgbClr val="FFFF00"/>
+                </a:highlight>
+              </a:rPr>
               <a:t>UnaryOperator</a:t>
             </a:r>
-            <a:endParaRPr lang="en-US" dirty="0"/>
+            <a:endParaRPr lang="en-US" dirty="0">
+              <a:highlight>
+                <a:srgbClr val="FFFF00"/>
+              </a:highlight>
+            </a:endParaRPr>
           </a:p>
         </p:txBody>
       </p:sp>
@@ -10770,6 +10830,1343 @@
 </p:sld>
 </file>
 
+<file path=ppt/slides/slide34.xml><?xml version="1.0" encoding="utf-8"?>
+<p:sld xmlns:a="http://schemas.openxmlformats.org/drawingml/2006/main" xmlns:r="http://schemas.openxmlformats.org/officeDocument/2006/relationships" xmlns:p="http://schemas.openxmlformats.org/presentationml/2006/main">
+  <p:cSld>
+    <p:spTree>
+      <p:nvGrpSpPr>
+        <p:cNvPr id="1" name=""/>
+        <p:cNvGrpSpPr/>
+        <p:nvPr/>
+      </p:nvGrpSpPr>
+      <p:grpSpPr>
+        <a:xfrm>
+          <a:off x="0" y="0"/>
+          <a:ext cx="0" cy="0"/>
+          <a:chOff x="0" y="0"/>
+          <a:chExt cx="0" cy="0"/>
+        </a:xfrm>
+      </p:grpSpPr>
+      <p:sp>
+        <p:nvSpPr>
+          <p:cNvPr id="2" name="Title 1">
+            <a:extLst>
+              <a:ext uri="{FF2B5EF4-FFF2-40B4-BE49-F238E27FC236}">
+                <a16:creationId xmlns:a16="http://schemas.microsoft.com/office/drawing/2014/main" id="{74EDBBB0-12A5-4562-A52A-0A1F8CA08DBB}"/>
+              </a:ext>
+            </a:extLst>
+          </p:cNvPr>
+          <p:cNvSpPr>
+            <a:spLocks noGrp="1"/>
+          </p:cNvSpPr>
+          <p:nvPr>
+            <p:ph type="title"/>
+          </p:nvPr>
+        </p:nvSpPr>
+        <p:spPr/>
+        <p:txBody>
+          <a:bodyPr/>
+          <a:lstStyle/>
+          <a:p>
+            <a:r>
+              <a:rPr lang="en-US" dirty="0">
+                <a:highlight>
+                  <a:srgbClr val="FFFF00"/>
+                </a:highlight>
+              </a:rPr>
+              <a:t>Nexus</a:t>
+            </a:r>
+            <a:r>
+              <a:rPr lang="en-US" dirty="0"/>
+              <a:t> Corporate Repository</a:t>
+            </a:r>
+          </a:p>
+        </p:txBody>
+      </p:sp>
+      <p:sp>
+        <p:nvSpPr>
+          <p:cNvPr id="3" name="Content Placeholder 2">
+            <a:extLst>
+              <a:ext uri="{FF2B5EF4-FFF2-40B4-BE49-F238E27FC236}">
+                <a16:creationId xmlns:a16="http://schemas.microsoft.com/office/drawing/2014/main" id="{14B8FCB1-F7F2-42CA-A9A5-952423A57757}"/>
+              </a:ext>
+            </a:extLst>
+          </p:cNvPr>
+          <p:cNvSpPr>
+            <a:spLocks noGrp="1"/>
+          </p:cNvSpPr>
+          <p:nvPr>
+            <p:ph idx="1"/>
+          </p:nvPr>
+        </p:nvSpPr>
+        <p:spPr/>
+        <p:txBody>
+          <a:bodyPr/>
+          <a:lstStyle/>
+          <a:p>
+            <a:endParaRPr lang="en-US" dirty="0"/>
+          </a:p>
+        </p:txBody>
+      </p:sp>
+    </p:spTree>
+    <p:extLst>
+      <p:ext uri="{BB962C8B-B14F-4D97-AF65-F5344CB8AC3E}">
+        <p14:creationId xmlns:p14="http://schemas.microsoft.com/office/powerpoint/2010/main" val="2158567513"/>
+      </p:ext>
+    </p:extLst>
+  </p:cSld>
+  <p:clrMapOvr>
+    <a:masterClrMapping/>
+  </p:clrMapOvr>
+</p:sld>
+</file>
+
+<file path=ppt/slides/slide35.xml><?xml version="1.0" encoding="utf-8"?>
+<p:sld xmlns:a="http://schemas.openxmlformats.org/drawingml/2006/main" xmlns:r="http://schemas.openxmlformats.org/officeDocument/2006/relationships" xmlns:p="http://schemas.openxmlformats.org/presentationml/2006/main">
+  <p:cSld>
+    <p:spTree>
+      <p:nvGrpSpPr>
+        <p:cNvPr id="1" name=""/>
+        <p:cNvGrpSpPr/>
+        <p:nvPr/>
+      </p:nvGrpSpPr>
+      <p:grpSpPr>
+        <a:xfrm>
+          <a:off x="0" y="0"/>
+          <a:ext cx="0" cy="0"/>
+          <a:chOff x="0" y="0"/>
+          <a:chExt cx="0" cy="0"/>
+        </a:xfrm>
+      </p:grpSpPr>
+      <p:sp>
+        <p:nvSpPr>
+          <p:cNvPr id="2" name="Title 1">
+            <a:extLst>
+              <a:ext uri="{FF2B5EF4-FFF2-40B4-BE49-F238E27FC236}">
+                <a16:creationId xmlns:a16="http://schemas.microsoft.com/office/drawing/2014/main" id="{CC5BB96E-C4A2-4DAA-95B0-FCB5FB458164}"/>
+              </a:ext>
+            </a:extLst>
+          </p:cNvPr>
+          <p:cNvSpPr>
+            <a:spLocks noGrp="1"/>
+          </p:cNvSpPr>
+          <p:nvPr>
+            <p:ph type="title"/>
+          </p:nvPr>
+        </p:nvSpPr>
+        <p:spPr/>
+        <p:txBody>
+          <a:bodyPr/>
+          <a:lstStyle/>
+          <a:p>
+            <a:r>
+              <a:rPr lang="en-US" dirty="0"/>
+              <a:t>Stream API methods</a:t>
+            </a:r>
+          </a:p>
+        </p:txBody>
+      </p:sp>
+      <p:sp>
+        <p:nvSpPr>
+          <p:cNvPr id="3" name="Content Placeholder 2">
+            <a:extLst>
+              <a:ext uri="{FF2B5EF4-FFF2-40B4-BE49-F238E27FC236}">
+                <a16:creationId xmlns:a16="http://schemas.microsoft.com/office/drawing/2014/main" id="{324FD70D-661C-4FAA-9252-8FFB68A4068E}"/>
+              </a:ext>
+            </a:extLst>
+          </p:cNvPr>
+          <p:cNvSpPr>
+            <a:spLocks noGrp="1"/>
+          </p:cNvSpPr>
+          <p:nvPr>
+            <p:ph idx="1"/>
+          </p:nvPr>
+        </p:nvSpPr>
+        <p:spPr/>
+        <p:txBody>
+          <a:bodyPr/>
+          <a:lstStyle/>
+          <a:p>
+            <a:r>
+              <a:rPr lang="en-US" dirty="0"/>
+              <a:t>filter </a:t>
+            </a:r>
+            <a:r>
+              <a:rPr lang="en-US" dirty="0">
+                <a:sym typeface="Wingdings" panose="05000000000000000000" pitchFamily="2" charset="2"/>
+              </a:rPr>
+              <a:t> predicate</a:t>
+            </a:r>
+          </a:p>
+          <a:p>
+            <a:r>
+              <a:rPr lang="en-US" dirty="0" err="1">
+                <a:sym typeface="Wingdings" panose="05000000000000000000" pitchFamily="2" charset="2"/>
+              </a:rPr>
+              <a:t>forEach</a:t>
+            </a:r>
+            <a:r>
+              <a:rPr lang="en-US" dirty="0">
+                <a:sym typeface="Wingdings" panose="05000000000000000000" pitchFamily="2" charset="2"/>
+              </a:rPr>
+              <a:t>  consumer</a:t>
+            </a:r>
+          </a:p>
+          <a:p>
+            <a:r>
+              <a:rPr lang="en-US" dirty="0">
+                <a:sym typeface="Wingdings" panose="05000000000000000000" pitchFamily="2" charset="2"/>
+              </a:rPr>
+              <a:t>map  function</a:t>
+            </a:r>
+          </a:p>
+          <a:p>
+            <a:r>
+              <a:rPr lang="en-US" dirty="0" err="1">
+                <a:sym typeface="Wingdings" panose="05000000000000000000" pitchFamily="2" charset="2"/>
+              </a:rPr>
+              <a:t>flatMap</a:t>
+            </a:r>
+            <a:r>
+              <a:rPr lang="en-US" dirty="0">
+                <a:sym typeface="Wingdings" panose="05000000000000000000" pitchFamily="2" charset="2"/>
+              </a:rPr>
+              <a:t>  function</a:t>
+            </a:r>
+            <a:endParaRPr lang="en-US" dirty="0"/>
+          </a:p>
+          <a:p>
+            <a:r>
+              <a:rPr lang="en-US" dirty="0">
+                <a:sym typeface="Wingdings" panose="05000000000000000000" pitchFamily="2" charset="2"/>
+              </a:rPr>
+              <a:t>sorted  Comparator</a:t>
+            </a:r>
+          </a:p>
+          <a:p>
+            <a:r>
+              <a:rPr lang="en-US" dirty="0">
+                <a:sym typeface="Wingdings" panose="05000000000000000000" pitchFamily="2" charset="2"/>
+              </a:rPr>
+              <a:t>collect  Collector (</a:t>
+            </a:r>
+            <a:r>
+              <a:rPr lang="en-US" dirty="0" err="1">
+                <a:sym typeface="Wingdings" panose="05000000000000000000" pitchFamily="2" charset="2"/>
+              </a:rPr>
+              <a:t>list,set</a:t>
+            </a:r>
+            <a:r>
+              <a:rPr lang="en-US" dirty="0">
+                <a:sym typeface="Wingdings" panose="05000000000000000000" pitchFamily="2" charset="2"/>
+              </a:rPr>
+              <a:t>..)</a:t>
+            </a:r>
+          </a:p>
+          <a:p>
+            <a:r>
+              <a:rPr lang="en-US" dirty="0">
+                <a:sym typeface="Wingdings" panose="05000000000000000000" pitchFamily="2" charset="2"/>
+              </a:rPr>
+              <a:t>reduce </a:t>
+            </a:r>
+            <a:r>
+              <a:rPr lang="en-US" dirty="0" err="1">
+                <a:sym typeface="Wingdings" panose="05000000000000000000" pitchFamily="2" charset="2"/>
+              </a:rPr>
+              <a:t>BinaryOperator</a:t>
+            </a:r>
+            <a:r>
+              <a:rPr lang="en-US" dirty="0">
+                <a:sym typeface="Wingdings" panose="05000000000000000000" pitchFamily="2" charset="2"/>
+              </a:rPr>
+              <a:t> (aggregations) (</a:t>
+            </a:r>
+            <a:r>
+              <a:rPr lang="en-US" dirty="0" err="1">
+                <a:sym typeface="Wingdings" panose="05000000000000000000" pitchFamily="2" charset="2"/>
+              </a:rPr>
+              <a:t>sum,min,max,count,avg</a:t>
+            </a:r>
+            <a:r>
+              <a:rPr lang="en-US" dirty="0">
+                <a:sym typeface="Wingdings" panose="05000000000000000000" pitchFamily="2" charset="2"/>
+              </a:rPr>
+              <a:t>…)</a:t>
+            </a:r>
+          </a:p>
+        </p:txBody>
+      </p:sp>
+    </p:spTree>
+    <p:extLst>
+      <p:ext uri="{BB962C8B-B14F-4D97-AF65-F5344CB8AC3E}">
+        <p14:creationId xmlns:p14="http://schemas.microsoft.com/office/powerpoint/2010/main" val="1893727377"/>
+      </p:ext>
+    </p:extLst>
+  </p:cSld>
+  <p:clrMapOvr>
+    <a:masterClrMapping/>
+  </p:clrMapOvr>
+</p:sld>
+</file>
+
+<file path=ppt/slides/slide36.xml><?xml version="1.0" encoding="utf-8"?>
+<p:sld xmlns:a="http://schemas.openxmlformats.org/drawingml/2006/main" xmlns:r="http://schemas.openxmlformats.org/officeDocument/2006/relationships" xmlns:p="http://schemas.openxmlformats.org/presentationml/2006/main">
+  <p:cSld>
+    <p:spTree>
+      <p:nvGrpSpPr>
+        <p:cNvPr id="1" name=""/>
+        <p:cNvGrpSpPr/>
+        <p:nvPr/>
+      </p:nvGrpSpPr>
+      <p:grpSpPr>
+        <a:xfrm>
+          <a:off x="0" y="0"/>
+          <a:ext cx="0" cy="0"/>
+          <a:chOff x="0" y="0"/>
+          <a:chExt cx="0" cy="0"/>
+        </a:xfrm>
+      </p:grpSpPr>
+      <p:sp>
+        <p:nvSpPr>
+          <p:cNvPr id="2" name="Title 1">
+            <a:extLst>
+              <a:ext uri="{FF2B5EF4-FFF2-40B4-BE49-F238E27FC236}">
+                <a16:creationId xmlns:a16="http://schemas.microsoft.com/office/drawing/2014/main" id="{E4AD05E2-8112-4F27-911C-DD744922DB0B}"/>
+              </a:ext>
+            </a:extLst>
+          </p:cNvPr>
+          <p:cNvSpPr>
+            <a:spLocks noGrp="1"/>
+          </p:cNvSpPr>
+          <p:nvPr>
+            <p:ph type="title"/>
+          </p:nvPr>
+        </p:nvSpPr>
+        <p:spPr/>
+        <p:txBody>
+          <a:bodyPr/>
+          <a:lstStyle/>
+          <a:p>
+            <a:r>
+              <a:rPr lang="en-US" dirty="0"/>
+              <a:t>Consumer</a:t>
+            </a:r>
+          </a:p>
+        </p:txBody>
+      </p:sp>
+      <p:sp>
+        <p:nvSpPr>
+          <p:cNvPr id="3" name="Content Placeholder 2">
+            <a:extLst>
+              <a:ext uri="{FF2B5EF4-FFF2-40B4-BE49-F238E27FC236}">
+                <a16:creationId xmlns:a16="http://schemas.microsoft.com/office/drawing/2014/main" id="{85C6EC62-4307-4C20-97FD-8854870BBAD9}"/>
+              </a:ext>
+            </a:extLst>
+          </p:cNvPr>
+          <p:cNvSpPr>
+            <a:spLocks noGrp="1"/>
+          </p:cNvSpPr>
+          <p:nvPr>
+            <p:ph idx="1"/>
+          </p:nvPr>
+        </p:nvSpPr>
+        <p:spPr>
+          <a:xfrm>
+            <a:off x="838200" y="1825625"/>
+            <a:ext cx="10515600" cy="1603375"/>
+          </a:xfrm>
+        </p:spPr>
+        <p:txBody>
+          <a:bodyPr/>
+          <a:lstStyle/>
+          <a:p>
+            <a:pPr marL="0" indent="0">
+              <a:buNone/>
+            </a:pPr>
+            <a:r>
+              <a:rPr lang="en-US" dirty="0"/>
+              <a:t>public interface Consumer{</a:t>
+            </a:r>
+          </a:p>
+          <a:p>
+            <a:pPr marL="0" indent="0">
+              <a:buNone/>
+            </a:pPr>
+            <a:r>
+              <a:rPr lang="en-US" dirty="0"/>
+              <a:t>	public void accept(T t);</a:t>
+            </a:r>
+          </a:p>
+          <a:p>
+            <a:pPr marL="0" indent="0">
+              <a:buNone/>
+            </a:pPr>
+            <a:r>
+              <a:rPr lang="en-US" dirty="0"/>
+              <a:t>}</a:t>
+            </a:r>
+          </a:p>
+        </p:txBody>
+      </p:sp>
+      <p:sp>
+        <p:nvSpPr>
+          <p:cNvPr id="4" name="Title 1">
+            <a:extLst>
+              <a:ext uri="{FF2B5EF4-FFF2-40B4-BE49-F238E27FC236}">
+                <a16:creationId xmlns:a16="http://schemas.microsoft.com/office/drawing/2014/main" id="{5C3E4EBE-E46A-4AC1-9259-D60AF44971E8}"/>
+              </a:ext>
+            </a:extLst>
+          </p:cNvPr>
+          <p:cNvSpPr txBox="1">
+            <a:spLocks/>
+          </p:cNvSpPr>
+          <p:nvPr/>
+        </p:nvSpPr>
+        <p:spPr>
+          <a:xfrm>
+            <a:off x="838200" y="3240176"/>
+            <a:ext cx="10515600" cy="1325563"/>
+          </a:xfrm>
+          <a:prstGeom prst="rect">
+            <a:avLst/>
+          </a:prstGeom>
+        </p:spPr>
+        <p:txBody>
+          <a:bodyPr vert="horz" lIns="91440" tIns="45720" rIns="91440" bIns="45720" rtlCol="0" anchor="ctr">
+            <a:normAutofit/>
+          </a:bodyPr>
+          <a:lstStyle>
+            <a:lvl1pPr algn="l" defTabSz="914400" rtl="0" eaLnBrk="1" latinLnBrk="0" hangingPunct="1">
+              <a:lnSpc>
+                <a:spcPct val="90000"/>
+              </a:lnSpc>
+              <a:spcBef>
+                <a:spcPct val="0"/>
+              </a:spcBef>
+              <a:buNone/>
+              <a:defRPr sz="4400" kern="1200">
+                <a:solidFill>
+                  <a:schemeClr val="tx1"/>
+                </a:solidFill>
+                <a:latin typeface="+mj-lt"/>
+                <a:ea typeface="+mj-ea"/>
+                <a:cs typeface="+mj-cs"/>
+              </a:defRPr>
+            </a:lvl1pPr>
+          </a:lstStyle>
+          <a:p>
+            <a:r>
+              <a:rPr lang="en-US" dirty="0" err="1"/>
+              <a:t>BiConsumer</a:t>
+            </a:r>
+            <a:endParaRPr lang="en-US" dirty="0"/>
+          </a:p>
+        </p:txBody>
+      </p:sp>
+      <p:sp>
+        <p:nvSpPr>
+          <p:cNvPr id="5" name="Content Placeholder 2">
+            <a:extLst>
+              <a:ext uri="{FF2B5EF4-FFF2-40B4-BE49-F238E27FC236}">
+                <a16:creationId xmlns:a16="http://schemas.microsoft.com/office/drawing/2014/main" id="{53F2E396-0397-454A-87BD-106A9660D071}"/>
+              </a:ext>
+            </a:extLst>
+          </p:cNvPr>
+          <p:cNvSpPr txBox="1">
+            <a:spLocks/>
+          </p:cNvSpPr>
+          <p:nvPr/>
+        </p:nvSpPr>
+        <p:spPr>
+          <a:xfrm>
+            <a:off x="838200" y="4565739"/>
+            <a:ext cx="10515600" cy="1603375"/>
+          </a:xfrm>
+          <a:prstGeom prst="rect">
+            <a:avLst/>
+          </a:prstGeom>
+        </p:spPr>
+        <p:txBody>
+          <a:bodyPr vert="horz" lIns="91440" tIns="45720" rIns="91440" bIns="45720" rtlCol="0">
+            <a:normAutofit/>
+          </a:bodyPr>
+          <a:lstStyle>
+            <a:lvl1pPr marL="228600" indent="-228600" algn="l" defTabSz="914400" rtl="0" eaLnBrk="1" latinLnBrk="0" hangingPunct="1">
+              <a:lnSpc>
+                <a:spcPct val="90000"/>
+              </a:lnSpc>
+              <a:spcBef>
+                <a:spcPts val="1000"/>
+              </a:spcBef>
+              <a:buFont typeface="Arial" panose="020B0604020202020204" pitchFamily="34" charset="0"/>
+              <a:buChar char="•"/>
+              <a:defRPr sz="2800" kern="1200">
+                <a:solidFill>
+                  <a:schemeClr val="tx1"/>
+                </a:solidFill>
+                <a:latin typeface="+mn-lt"/>
+                <a:ea typeface="+mn-ea"/>
+                <a:cs typeface="+mn-cs"/>
+              </a:defRPr>
+            </a:lvl1pPr>
+            <a:lvl2pPr marL="685800" indent="-228600" algn="l" defTabSz="914400" rtl="0" eaLnBrk="1" latinLnBrk="0" hangingPunct="1">
+              <a:lnSpc>
+                <a:spcPct val="90000"/>
+              </a:lnSpc>
+              <a:spcBef>
+                <a:spcPts val="500"/>
+              </a:spcBef>
+              <a:buFont typeface="Arial" panose="020B0604020202020204" pitchFamily="34" charset="0"/>
+              <a:buChar char="•"/>
+              <a:defRPr sz="2400" kern="1200">
+                <a:solidFill>
+                  <a:schemeClr val="tx1"/>
+                </a:solidFill>
+                <a:latin typeface="+mn-lt"/>
+                <a:ea typeface="+mn-ea"/>
+                <a:cs typeface="+mn-cs"/>
+              </a:defRPr>
+            </a:lvl2pPr>
+            <a:lvl3pPr marL="1143000" indent="-228600" algn="l" defTabSz="914400" rtl="0" eaLnBrk="1" latinLnBrk="0" hangingPunct="1">
+              <a:lnSpc>
+                <a:spcPct val="90000"/>
+              </a:lnSpc>
+              <a:spcBef>
+                <a:spcPts val="500"/>
+              </a:spcBef>
+              <a:buFont typeface="Arial" panose="020B0604020202020204" pitchFamily="34" charset="0"/>
+              <a:buChar char="•"/>
+              <a:defRPr sz="2000" kern="1200">
+                <a:solidFill>
+                  <a:schemeClr val="tx1"/>
+                </a:solidFill>
+                <a:latin typeface="+mn-lt"/>
+                <a:ea typeface="+mn-ea"/>
+                <a:cs typeface="+mn-cs"/>
+              </a:defRPr>
+            </a:lvl3pPr>
+            <a:lvl4pPr marL="1600200" indent="-228600" algn="l" defTabSz="914400" rtl="0" eaLnBrk="1" latinLnBrk="0" hangingPunct="1">
+              <a:lnSpc>
+                <a:spcPct val="90000"/>
+              </a:lnSpc>
+              <a:spcBef>
+                <a:spcPts val="500"/>
+              </a:spcBef>
+              <a:buFont typeface="Arial" panose="020B0604020202020204" pitchFamily="34" charset="0"/>
+              <a:buChar char="•"/>
+              <a:defRPr sz="1800" kern="1200">
+                <a:solidFill>
+                  <a:schemeClr val="tx1"/>
+                </a:solidFill>
+                <a:latin typeface="+mn-lt"/>
+                <a:ea typeface="+mn-ea"/>
+                <a:cs typeface="+mn-cs"/>
+              </a:defRPr>
+            </a:lvl4pPr>
+            <a:lvl5pPr marL="2057400" indent="-228600" algn="l" defTabSz="914400" rtl="0" eaLnBrk="1" latinLnBrk="0" hangingPunct="1">
+              <a:lnSpc>
+                <a:spcPct val="90000"/>
+              </a:lnSpc>
+              <a:spcBef>
+                <a:spcPts val="500"/>
+              </a:spcBef>
+              <a:buFont typeface="Arial" panose="020B0604020202020204" pitchFamily="34" charset="0"/>
+              <a:buChar char="•"/>
+              <a:defRPr sz="1800" kern="1200">
+                <a:solidFill>
+                  <a:schemeClr val="tx1"/>
+                </a:solidFill>
+                <a:latin typeface="+mn-lt"/>
+                <a:ea typeface="+mn-ea"/>
+                <a:cs typeface="+mn-cs"/>
+              </a:defRPr>
+            </a:lvl5pPr>
+            <a:lvl6pPr marL="2514600" indent="-228600" algn="l" defTabSz="914400" rtl="0" eaLnBrk="1" latinLnBrk="0" hangingPunct="1">
+              <a:lnSpc>
+                <a:spcPct val="90000"/>
+              </a:lnSpc>
+              <a:spcBef>
+                <a:spcPts val="500"/>
+              </a:spcBef>
+              <a:buFont typeface="Arial" panose="020B0604020202020204" pitchFamily="34" charset="0"/>
+              <a:buChar char="•"/>
+              <a:defRPr sz="1800" kern="1200">
+                <a:solidFill>
+                  <a:schemeClr val="tx1"/>
+                </a:solidFill>
+                <a:latin typeface="+mn-lt"/>
+                <a:ea typeface="+mn-ea"/>
+                <a:cs typeface="+mn-cs"/>
+              </a:defRPr>
+            </a:lvl6pPr>
+            <a:lvl7pPr marL="2971800" indent="-228600" algn="l" defTabSz="914400" rtl="0" eaLnBrk="1" latinLnBrk="0" hangingPunct="1">
+              <a:lnSpc>
+                <a:spcPct val="90000"/>
+              </a:lnSpc>
+              <a:spcBef>
+                <a:spcPts val="500"/>
+              </a:spcBef>
+              <a:buFont typeface="Arial" panose="020B0604020202020204" pitchFamily="34" charset="0"/>
+              <a:buChar char="•"/>
+              <a:defRPr sz="1800" kern="1200">
+                <a:solidFill>
+                  <a:schemeClr val="tx1"/>
+                </a:solidFill>
+                <a:latin typeface="+mn-lt"/>
+                <a:ea typeface="+mn-ea"/>
+                <a:cs typeface="+mn-cs"/>
+              </a:defRPr>
+            </a:lvl7pPr>
+            <a:lvl8pPr marL="3429000" indent="-228600" algn="l" defTabSz="914400" rtl="0" eaLnBrk="1" latinLnBrk="0" hangingPunct="1">
+              <a:lnSpc>
+                <a:spcPct val="90000"/>
+              </a:lnSpc>
+              <a:spcBef>
+                <a:spcPts val="500"/>
+              </a:spcBef>
+              <a:buFont typeface="Arial" panose="020B0604020202020204" pitchFamily="34" charset="0"/>
+              <a:buChar char="•"/>
+              <a:defRPr sz="1800" kern="1200">
+                <a:solidFill>
+                  <a:schemeClr val="tx1"/>
+                </a:solidFill>
+                <a:latin typeface="+mn-lt"/>
+                <a:ea typeface="+mn-ea"/>
+                <a:cs typeface="+mn-cs"/>
+              </a:defRPr>
+            </a:lvl8pPr>
+            <a:lvl9pPr marL="3886200" indent="-228600" algn="l" defTabSz="914400" rtl="0" eaLnBrk="1" latinLnBrk="0" hangingPunct="1">
+              <a:lnSpc>
+                <a:spcPct val="90000"/>
+              </a:lnSpc>
+              <a:spcBef>
+                <a:spcPts val="500"/>
+              </a:spcBef>
+              <a:buFont typeface="Arial" panose="020B0604020202020204" pitchFamily="34" charset="0"/>
+              <a:buChar char="•"/>
+              <a:defRPr sz="1800" kern="1200">
+                <a:solidFill>
+                  <a:schemeClr val="tx1"/>
+                </a:solidFill>
+                <a:latin typeface="+mn-lt"/>
+                <a:ea typeface="+mn-ea"/>
+                <a:cs typeface="+mn-cs"/>
+              </a:defRPr>
+            </a:lvl9pPr>
+          </a:lstStyle>
+          <a:p>
+            <a:pPr marL="0" indent="0">
+              <a:buFont typeface="Arial" panose="020B0604020202020204" pitchFamily="34" charset="0"/>
+              <a:buNone/>
+            </a:pPr>
+            <a:r>
+              <a:rPr lang="en-US" dirty="0"/>
+              <a:t>public interface </a:t>
+            </a:r>
+            <a:r>
+              <a:rPr lang="en-US" dirty="0" err="1"/>
+              <a:t>BiConsumer</a:t>
+            </a:r>
+            <a:r>
+              <a:rPr lang="en-US" dirty="0"/>
+              <a:t>{</a:t>
+            </a:r>
+          </a:p>
+          <a:p>
+            <a:pPr marL="0" indent="0">
+              <a:buFont typeface="Arial" panose="020B0604020202020204" pitchFamily="34" charset="0"/>
+              <a:buNone/>
+            </a:pPr>
+            <a:r>
+              <a:rPr lang="en-US" dirty="0"/>
+              <a:t>	public void accept(T </a:t>
+            </a:r>
+            <a:r>
+              <a:rPr lang="en-US" dirty="0" err="1"/>
+              <a:t>t,R</a:t>
+            </a:r>
+            <a:r>
+              <a:rPr lang="en-US" dirty="0"/>
+              <a:t> r);</a:t>
+            </a:r>
+          </a:p>
+          <a:p>
+            <a:pPr marL="0" indent="0">
+              <a:buFont typeface="Arial" panose="020B0604020202020204" pitchFamily="34" charset="0"/>
+              <a:buNone/>
+            </a:pPr>
+            <a:r>
+              <a:rPr lang="en-US" dirty="0"/>
+              <a:t>}</a:t>
+            </a:r>
+          </a:p>
+        </p:txBody>
+      </p:sp>
+    </p:spTree>
+    <p:extLst>
+      <p:ext uri="{BB962C8B-B14F-4D97-AF65-F5344CB8AC3E}">
+        <p14:creationId xmlns:p14="http://schemas.microsoft.com/office/powerpoint/2010/main" val="3125886548"/>
+      </p:ext>
+    </p:extLst>
+  </p:cSld>
+  <p:clrMapOvr>
+    <a:masterClrMapping/>
+  </p:clrMapOvr>
+</p:sld>
+</file>
+
+<file path=ppt/slides/slide37.xml><?xml version="1.0" encoding="utf-8"?>
+<p:sld xmlns:a="http://schemas.openxmlformats.org/drawingml/2006/main" xmlns:r="http://schemas.openxmlformats.org/officeDocument/2006/relationships" xmlns:p="http://schemas.openxmlformats.org/presentationml/2006/main">
+  <p:cSld>
+    <p:spTree>
+      <p:nvGrpSpPr>
+        <p:cNvPr id="1" name=""/>
+        <p:cNvGrpSpPr/>
+        <p:nvPr/>
+      </p:nvGrpSpPr>
+      <p:grpSpPr>
+        <a:xfrm>
+          <a:off x="0" y="0"/>
+          <a:ext cx="0" cy="0"/>
+          <a:chOff x="0" y="0"/>
+          <a:chExt cx="0" cy="0"/>
+        </a:xfrm>
+      </p:grpSpPr>
+      <p:sp>
+        <p:nvSpPr>
+          <p:cNvPr id="2" name="Title 1">
+            <a:extLst>
+              <a:ext uri="{FF2B5EF4-FFF2-40B4-BE49-F238E27FC236}">
+                <a16:creationId xmlns:a16="http://schemas.microsoft.com/office/drawing/2014/main" id="{90D51E82-362A-4CCB-AB95-B09E534BF0BF}"/>
+              </a:ext>
+            </a:extLst>
+          </p:cNvPr>
+          <p:cNvSpPr>
+            <a:spLocks noGrp="1"/>
+          </p:cNvSpPr>
+          <p:nvPr>
+            <p:ph type="title"/>
+          </p:nvPr>
+        </p:nvSpPr>
+        <p:spPr/>
+        <p:txBody>
+          <a:bodyPr/>
+          <a:lstStyle/>
+          <a:p>
+            <a:r>
+              <a:rPr lang="en-US" dirty="0"/>
+              <a:t>Function</a:t>
+            </a:r>
+          </a:p>
+        </p:txBody>
+      </p:sp>
+      <p:sp>
+        <p:nvSpPr>
+          <p:cNvPr id="3" name="Content Placeholder 2">
+            <a:extLst>
+              <a:ext uri="{FF2B5EF4-FFF2-40B4-BE49-F238E27FC236}">
+                <a16:creationId xmlns:a16="http://schemas.microsoft.com/office/drawing/2014/main" id="{A66E8BCE-1C21-4648-B241-2D9F51561232}"/>
+              </a:ext>
+            </a:extLst>
+          </p:cNvPr>
+          <p:cNvSpPr>
+            <a:spLocks noGrp="1"/>
+          </p:cNvSpPr>
+          <p:nvPr>
+            <p:ph idx="1"/>
+          </p:nvPr>
+        </p:nvSpPr>
+        <p:spPr>
+          <a:xfrm>
+            <a:off x="838200" y="1825625"/>
+            <a:ext cx="10515600" cy="1603375"/>
+          </a:xfrm>
+        </p:spPr>
+        <p:txBody>
+          <a:bodyPr/>
+          <a:lstStyle/>
+          <a:p>
+            <a:pPr marL="0" indent="0">
+              <a:buNone/>
+            </a:pPr>
+            <a:r>
+              <a:rPr lang="en-US" dirty="0"/>
+              <a:t>public interface Function{</a:t>
+            </a:r>
+          </a:p>
+          <a:p>
+            <a:pPr marL="0" indent="0">
+              <a:buNone/>
+            </a:pPr>
+            <a:r>
+              <a:rPr lang="en-US" dirty="0"/>
+              <a:t>	public T apply(R r);</a:t>
+            </a:r>
+          </a:p>
+          <a:p>
+            <a:pPr marL="0" indent="0">
+              <a:buNone/>
+            </a:pPr>
+            <a:r>
+              <a:rPr lang="en-US" dirty="0"/>
+              <a:t>}</a:t>
+            </a:r>
+          </a:p>
+          <a:p>
+            <a:pPr marL="0" indent="0">
+              <a:buNone/>
+            </a:pPr>
+            <a:endParaRPr lang="en-US" dirty="0"/>
+          </a:p>
+        </p:txBody>
+      </p:sp>
+      <p:sp>
+        <p:nvSpPr>
+          <p:cNvPr id="4" name="Title 1">
+            <a:extLst>
+              <a:ext uri="{FF2B5EF4-FFF2-40B4-BE49-F238E27FC236}">
+                <a16:creationId xmlns:a16="http://schemas.microsoft.com/office/drawing/2014/main" id="{6F76CFC2-8604-4CDA-99B6-B1FE02856149}"/>
+              </a:ext>
+            </a:extLst>
+          </p:cNvPr>
+          <p:cNvSpPr txBox="1">
+            <a:spLocks/>
+          </p:cNvSpPr>
+          <p:nvPr/>
+        </p:nvSpPr>
+        <p:spPr>
+          <a:xfrm>
+            <a:off x="838200" y="3096338"/>
+            <a:ext cx="10515600" cy="1325563"/>
+          </a:xfrm>
+          <a:prstGeom prst="rect">
+            <a:avLst/>
+          </a:prstGeom>
+        </p:spPr>
+        <p:txBody>
+          <a:bodyPr vert="horz" lIns="91440" tIns="45720" rIns="91440" bIns="45720" rtlCol="0" anchor="ctr">
+            <a:normAutofit/>
+          </a:bodyPr>
+          <a:lstStyle>
+            <a:lvl1pPr algn="l" defTabSz="914400" rtl="0" eaLnBrk="1" latinLnBrk="0" hangingPunct="1">
+              <a:lnSpc>
+                <a:spcPct val="90000"/>
+              </a:lnSpc>
+              <a:spcBef>
+                <a:spcPct val="0"/>
+              </a:spcBef>
+              <a:buNone/>
+              <a:defRPr sz="4400" kern="1200">
+                <a:solidFill>
+                  <a:schemeClr val="tx1"/>
+                </a:solidFill>
+                <a:latin typeface="+mj-lt"/>
+                <a:ea typeface="+mj-ea"/>
+                <a:cs typeface="+mj-cs"/>
+              </a:defRPr>
+            </a:lvl1pPr>
+          </a:lstStyle>
+          <a:p>
+            <a:r>
+              <a:rPr lang="en-US" dirty="0" err="1"/>
+              <a:t>BiFunction</a:t>
+            </a:r>
+            <a:endParaRPr lang="en-US" dirty="0"/>
+          </a:p>
+        </p:txBody>
+      </p:sp>
+      <p:sp>
+        <p:nvSpPr>
+          <p:cNvPr id="5" name="Content Placeholder 2">
+            <a:extLst>
+              <a:ext uri="{FF2B5EF4-FFF2-40B4-BE49-F238E27FC236}">
+                <a16:creationId xmlns:a16="http://schemas.microsoft.com/office/drawing/2014/main" id="{12CB555C-D257-4B80-ACFC-9B988B1880EE}"/>
+              </a:ext>
+            </a:extLst>
+          </p:cNvPr>
+          <p:cNvSpPr txBox="1">
+            <a:spLocks/>
+          </p:cNvSpPr>
+          <p:nvPr/>
+        </p:nvSpPr>
+        <p:spPr>
+          <a:xfrm>
+            <a:off x="838200" y="4421901"/>
+            <a:ext cx="10515600" cy="1603375"/>
+          </a:xfrm>
+          <a:prstGeom prst="rect">
+            <a:avLst/>
+          </a:prstGeom>
+        </p:spPr>
+        <p:txBody>
+          <a:bodyPr vert="horz" lIns="91440" tIns="45720" rIns="91440" bIns="45720" rtlCol="0">
+            <a:normAutofit/>
+          </a:bodyPr>
+          <a:lstStyle>
+            <a:lvl1pPr marL="228600" indent="-228600" algn="l" defTabSz="914400" rtl="0" eaLnBrk="1" latinLnBrk="0" hangingPunct="1">
+              <a:lnSpc>
+                <a:spcPct val="90000"/>
+              </a:lnSpc>
+              <a:spcBef>
+                <a:spcPts val="1000"/>
+              </a:spcBef>
+              <a:buFont typeface="Arial" panose="020B0604020202020204" pitchFamily="34" charset="0"/>
+              <a:buChar char="•"/>
+              <a:defRPr sz="2800" kern="1200">
+                <a:solidFill>
+                  <a:schemeClr val="tx1"/>
+                </a:solidFill>
+                <a:latin typeface="+mn-lt"/>
+                <a:ea typeface="+mn-ea"/>
+                <a:cs typeface="+mn-cs"/>
+              </a:defRPr>
+            </a:lvl1pPr>
+            <a:lvl2pPr marL="685800" indent="-228600" algn="l" defTabSz="914400" rtl="0" eaLnBrk="1" latinLnBrk="0" hangingPunct="1">
+              <a:lnSpc>
+                <a:spcPct val="90000"/>
+              </a:lnSpc>
+              <a:spcBef>
+                <a:spcPts val="500"/>
+              </a:spcBef>
+              <a:buFont typeface="Arial" panose="020B0604020202020204" pitchFamily="34" charset="0"/>
+              <a:buChar char="•"/>
+              <a:defRPr sz="2400" kern="1200">
+                <a:solidFill>
+                  <a:schemeClr val="tx1"/>
+                </a:solidFill>
+                <a:latin typeface="+mn-lt"/>
+                <a:ea typeface="+mn-ea"/>
+                <a:cs typeface="+mn-cs"/>
+              </a:defRPr>
+            </a:lvl2pPr>
+            <a:lvl3pPr marL="1143000" indent="-228600" algn="l" defTabSz="914400" rtl="0" eaLnBrk="1" latinLnBrk="0" hangingPunct="1">
+              <a:lnSpc>
+                <a:spcPct val="90000"/>
+              </a:lnSpc>
+              <a:spcBef>
+                <a:spcPts val="500"/>
+              </a:spcBef>
+              <a:buFont typeface="Arial" panose="020B0604020202020204" pitchFamily="34" charset="0"/>
+              <a:buChar char="•"/>
+              <a:defRPr sz="2000" kern="1200">
+                <a:solidFill>
+                  <a:schemeClr val="tx1"/>
+                </a:solidFill>
+                <a:latin typeface="+mn-lt"/>
+                <a:ea typeface="+mn-ea"/>
+                <a:cs typeface="+mn-cs"/>
+              </a:defRPr>
+            </a:lvl3pPr>
+            <a:lvl4pPr marL="1600200" indent="-228600" algn="l" defTabSz="914400" rtl="0" eaLnBrk="1" latinLnBrk="0" hangingPunct="1">
+              <a:lnSpc>
+                <a:spcPct val="90000"/>
+              </a:lnSpc>
+              <a:spcBef>
+                <a:spcPts val="500"/>
+              </a:spcBef>
+              <a:buFont typeface="Arial" panose="020B0604020202020204" pitchFamily="34" charset="0"/>
+              <a:buChar char="•"/>
+              <a:defRPr sz="1800" kern="1200">
+                <a:solidFill>
+                  <a:schemeClr val="tx1"/>
+                </a:solidFill>
+                <a:latin typeface="+mn-lt"/>
+                <a:ea typeface="+mn-ea"/>
+                <a:cs typeface="+mn-cs"/>
+              </a:defRPr>
+            </a:lvl4pPr>
+            <a:lvl5pPr marL="2057400" indent="-228600" algn="l" defTabSz="914400" rtl="0" eaLnBrk="1" latinLnBrk="0" hangingPunct="1">
+              <a:lnSpc>
+                <a:spcPct val="90000"/>
+              </a:lnSpc>
+              <a:spcBef>
+                <a:spcPts val="500"/>
+              </a:spcBef>
+              <a:buFont typeface="Arial" panose="020B0604020202020204" pitchFamily="34" charset="0"/>
+              <a:buChar char="•"/>
+              <a:defRPr sz="1800" kern="1200">
+                <a:solidFill>
+                  <a:schemeClr val="tx1"/>
+                </a:solidFill>
+                <a:latin typeface="+mn-lt"/>
+                <a:ea typeface="+mn-ea"/>
+                <a:cs typeface="+mn-cs"/>
+              </a:defRPr>
+            </a:lvl5pPr>
+            <a:lvl6pPr marL="2514600" indent="-228600" algn="l" defTabSz="914400" rtl="0" eaLnBrk="1" latinLnBrk="0" hangingPunct="1">
+              <a:lnSpc>
+                <a:spcPct val="90000"/>
+              </a:lnSpc>
+              <a:spcBef>
+                <a:spcPts val="500"/>
+              </a:spcBef>
+              <a:buFont typeface="Arial" panose="020B0604020202020204" pitchFamily="34" charset="0"/>
+              <a:buChar char="•"/>
+              <a:defRPr sz="1800" kern="1200">
+                <a:solidFill>
+                  <a:schemeClr val="tx1"/>
+                </a:solidFill>
+                <a:latin typeface="+mn-lt"/>
+                <a:ea typeface="+mn-ea"/>
+                <a:cs typeface="+mn-cs"/>
+              </a:defRPr>
+            </a:lvl6pPr>
+            <a:lvl7pPr marL="2971800" indent="-228600" algn="l" defTabSz="914400" rtl="0" eaLnBrk="1" latinLnBrk="0" hangingPunct="1">
+              <a:lnSpc>
+                <a:spcPct val="90000"/>
+              </a:lnSpc>
+              <a:spcBef>
+                <a:spcPts val="500"/>
+              </a:spcBef>
+              <a:buFont typeface="Arial" panose="020B0604020202020204" pitchFamily="34" charset="0"/>
+              <a:buChar char="•"/>
+              <a:defRPr sz="1800" kern="1200">
+                <a:solidFill>
+                  <a:schemeClr val="tx1"/>
+                </a:solidFill>
+                <a:latin typeface="+mn-lt"/>
+                <a:ea typeface="+mn-ea"/>
+                <a:cs typeface="+mn-cs"/>
+              </a:defRPr>
+            </a:lvl7pPr>
+            <a:lvl8pPr marL="3429000" indent="-228600" algn="l" defTabSz="914400" rtl="0" eaLnBrk="1" latinLnBrk="0" hangingPunct="1">
+              <a:lnSpc>
+                <a:spcPct val="90000"/>
+              </a:lnSpc>
+              <a:spcBef>
+                <a:spcPts val="500"/>
+              </a:spcBef>
+              <a:buFont typeface="Arial" panose="020B0604020202020204" pitchFamily="34" charset="0"/>
+              <a:buChar char="•"/>
+              <a:defRPr sz="1800" kern="1200">
+                <a:solidFill>
+                  <a:schemeClr val="tx1"/>
+                </a:solidFill>
+                <a:latin typeface="+mn-lt"/>
+                <a:ea typeface="+mn-ea"/>
+                <a:cs typeface="+mn-cs"/>
+              </a:defRPr>
+            </a:lvl8pPr>
+            <a:lvl9pPr marL="3886200" indent="-228600" algn="l" defTabSz="914400" rtl="0" eaLnBrk="1" latinLnBrk="0" hangingPunct="1">
+              <a:lnSpc>
+                <a:spcPct val="90000"/>
+              </a:lnSpc>
+              <a:spcBef>
+                <a:spcPts val="500"/>
+              </a:spcBef>
+              <a:buFont typeface="Arial" panose="020B0604020202020204" pitchFamily="34" charset="0"/>
+              <a:buChar char="•"/>
+              <a:defRPr sz="1800" kern="1200">
+                <a:solidFill>
+                  <a:schemeClr val="tx1"/>
+                </a:solidFill>
+                <a:latin typeface="+mn-lt"/>
+                <a:ea typeface="+mn-ea"/>
+                <a:cs typeface="+mn-cs"/>
+              </a:defRPr>
+            </a:lvl9pPr>
+          </a:lstStyle>
+          <a:p>
+            <a:pPr marL="0" indent="0">
+              <a:buFont typeface="Arial" panose="020B0604020202020204" pitchFamily="34" charset="0"/>
+              <a:buNone/>
+            </a:pPr>
+            <a:r>
+              <a:rPr lang="en-US" dirty="0"/>
+              <a:t>public interface </a:t>
+            </a:r>
+            <a:r>
+              <a:rPr lang="en-US" dirty="0" err="1"/>
+              <a:t>BiFunction</a:t>
+            </a:r>
+            <a:r>
+              <a:rPr lang="en-US" dirty="0"/>
+              <a:t>{</a:t>
+            </a:r>
+          </a:p>
+          <a:p>
+            <a:pPr marL="0" indent="0">
+              <a:buFont typeface="Arial" panose="020B0604020202020204" pitchFamily="34" charset="0"/>
+              <a:buNone/>
+            </a:pPr>
+            <a:r>
+              <a:rPr lang="en-US" dirty="0"/>
+              <a:t>	public T apply(R </a:t>
+            </a:r>
+            <a:r>
+              <a:rPr lang="en-US" dirty="0" err="1"/>
+              <a:t>r,S</a:t>
+            </a:r>
+            <a:r>
+              <a:rPr lang="en-US" dirty="0"/>
+              <a:t> s);</a:t>
+            </a:r>
+          </a:p>
+          <a:p>
+            <a:pPr marL="0" indent="0">
+              <a:buFont typeface="Arial" panose="020B0604020202020204" pitchFamily="34" charset="0"/>
+              <a:buNone/>
+            </a:pPr>
+            <a:r>
+              <a:rPr lang="en-US" dirty="0"/>
+              <a:t>}</a:t>
+            </a:r>
+          </a:p>
+          <a:p>
+            <a:pPr marL="0" indent="0">
+              <a:buFont typeface="Arial" panose="020B0604020202020204" pitchFamily="34" charset="0"/>
+              <a:buNone/>
+            </a:pPr>
+            <a:endParaRPr lang="en-US" dirty="0"/>
+          </a:p>
+        </p:txBody>
+      </p:sp>
+    </p:spTree>
+    <p:extLst>
+      <p:ext uri="{BB962C8B-B14F-4D97-AF65-F5344CB8AC3E}">
+        <p14:creationId xmlns:p14="http://schemas.microsoft.com/office/powerpoint/2010/main" val="1344924834"/>
+      </p:ext>
+    </p:extLst>
+  </p:cSld>
+  <p:clrMapOvr>
+    <a:masterClrMapping/>
+  </p:clrMapOvr>
+</p:sld>
+</file>
+
+<file path=ppt/slides/slide38.xml><?xml version="1.0" encoding="utf-8"?>
+<p:sld xmlns:a="http://schemas.openxmlformats.org/drawingml/2006/main" xmlns:r="http://schemas.openxmlformats.org/officeDocument/2006/relationships" xmlns:p="http://schemas.openxmlformats.org/presentationml/2006/main">
+  <p:cSld>
+    <p:spTree>
+      <p:nvGrpSpPr>
+        <p:cNvPr id="1" name=""/>
+        <p:cNvGrpSpPr/>
+        <p:nvPr/>
+      </p:nvGrpSpPr>
+      <p:grpSpPr>
+        <a:xfrm>
+          <a:off x="0" y="0"/>
+          <a:ext cx="0" cy="0"/>
+          <a:chOff x="0" y="0"/>
+          <a:chExt cx="0" cy="0"/>
+        </a:xfrm>
+      </p:grpSpPr>
+      <p:sp>
+        <p:nvSpPr>
+          <p:cNvPr id="2" name="Title 1">
+            <a:extLst>
+              <a:ext uri="{FF2B5EF4-FFF2-40B4-BE49-F238E27FC236}">
+                <a16:creationId xmlns:a16="http://schemas.microsoft.com/office/drawing/2014/main" id="{D28DEC04-B38F-4119-A4C2-6C305F7A5945}"/>
+              </a:ext>
+            </a:extLst>
+          </p:cNvPr>
+          <p:cNvSpPr>
+            <a:spLocks noGrp="1"/>
+          </p:cNvSpPr>
+          <p:nvPr>
+            <p:ph type="title"/>
+          </p:nvPr>
+        </p:nvSpPr>
+        <p:spPr/>
+        <p:txBody>
+          <a:bodyPr/>
+          <a:lstStyle/>
+          <a:p>
+            <a:r>
+              <a:rPr lang="en-US" dirty="0"/>
+              <a:t>Supplier</a:t>
+            </a:r>
+          </a:p>
+        </p:txBody>
+      </p:sp>
+      <p:sp>
+        <p:nvSpPr>
+          <p:cNvPr id="3" name="Content Placeholder 2">
+            <a:extLst>
+              <a:ext uri="{FF2B5EF4-FFF2-40B4-BE49-F238E27FC236}">
+                <a16:creationId xmlns:a16="http://schemas.microsoft.com/office/drawing/2014/main" id="{271F40E7-BB62-4749-A880-255EE24A7CAB}"/>
+              </a:ext>
+            </a:extLst>
+          </p:cNvPr>
+          <p:cNvSpPr>
+            <a:spLocks noGrp="1"/>
+          </p:cNvSpPr>
+          <p:nvPr>
+            <p:ph idx="1"/>
+          </p:nvPr>
+        </p:nvSpPr>
+        <p:spPr/>
+        <p:txBody>
+          <a:bodyPr/>
+          <a:lstStyle/>
+          <a:p>
+            <a:pPr marL="0" indent="0">
+              <a:buNone/>
+            </a:pPr>
+            <a:r>
+              <a:rPr lang="en-US" dirty="0"/>
+              <a:t>Public interface Supplier{</a:t>
+            </a:r>
+          </a:p>
+          <a:p>
+            <a:pPr marL="0" indent="0">
+              <a:buNone/>
+            </a:pPr>
+            <a:endParaRPr lang="en-US" dirty="0"/>
+          </a:p>
+          <a:p>
+            <a:pPr marL="0" indent="0">
+              <a:buNone/>
+            </a:pPr>
+            <a:r>
+              <a:rPr lang="en-US" dirty="0"/>
+              <a:t>	public T get();</a:t>
+            </a:r>
+          </a:p>
+          <a:p>
+            <a:pPr marL="0" indent="0">
+              <a:buNone/>
+            </a:pPr>
+            <a:endParaRPr lang="en-US" dirty="0"/>
+          </a:p>
+          <a:p>
+            <a:pPr marL="0" indent="0">
+              <a:buNone/>
+            </a:pPr>
+            <a:r>
+              <a:rPr lang="en-US" dirty="0"/>
+              <a:t>}</a:t>
+            </a:r>
+          </a:p>
+        </p:txBody>
+      </p:sp>
+    </p:spTree>
+    <p:extLst>
+      <p:ext uri="{BB962C8B-B14F-4D97-AF65-F5344CB8AC3E}">
+        <p14:creationId xmlns:p14="http://schemas.microsoft.com/office/powerpoint/2010/main" val="244352523"/>
+      </p:ext>
+    </p:extLst>
+  </p:cSld>
+  <p:clrMapOvr>
+    <a:masterClrMapping/>
+  </p:clrMapOvr>
+</p:sld>
+</file>
+
+<file path=ppt/slides/slide39.xml><?xml version="1.0" encoding="utf-8"?>
+<p:sld xmlns:a="http://schemas.openxmlformats.org/drawingml/2006/main" xmlns:r="http://schemas.openxmlformats.org/officeDocument/2006/relationships" xmlns:p="http://schemas.openxmlformats.org/presentationml/2006/main">
+  <p:cSld>
+    <p:spTree>
+      <p:nvGrpSpPr>
+        <p:cNvPr id="1" name=""/>
+        <p:cNvGrpSpPr/>
+        <p:nvPr/>
+      </p:nvGrpSpPr>
+      <p:grpSpPr>
+        <a:xfrm>
+          <a:off x="0" y="0"/>
+          <a:ext cx="0" cy="0"/>
+          <a:chOff x="0" y="0"/>
+          <a:chExt cx="0" cy="0"/>
+        </a:xfrm>
+      </p:grpSpPr>
+      <p:sp>
+        <p:nvSpPr>
+          <p:cNvPr id="2" name="Title 1">
+            <a:extLst>
+              <a:ext uri="{FF2B5EF4-FFF2-40B4-BE49-F238E27FC236}">
+                <a16:creationId xmlns:a16="http://schemas.microsoft.com/office/drawing/2014/main" id="{BE529882-736B-4551-B6AB-F1FA69F17026}"/>
+              </a:ext>
+            </a:extLst>
+          </p:cNvPr>
+          <p:cNvSpPr>
+            <a:spLocks noGrp="1"/>
+          </p:cNvSpPr>
+          <p:nvPr>
+            <p:ph type="title"/>
+          </p:nvPr>
+        </p:nvSpPr>
+        <p:spPr/>
+        <p:txBody>
+          <a:bodyPr/>
+          <a:lstStyle/>
+          <a:p>
+            <a:r>
+              <a:rPr lang="en-US" dirty="0" err="1"/>
+              <a:t>UnaryOperator</a:t>
+            </a:r>
+            <a:endParaRPr lang="en-US" dirty="0"/>
+          </a:p>
+        </p:txBody>
+      </p:sp>
+      <p:sp>
+        <p:nvSpPr>
+          <p:cNvPr id="3" name="Content Placeholder 2">
+            <a:extLst>
+              <a:ext uri="{FF2B5EF4-FFF2-40B4-BE49-F238E27FC236}">
+                <a16:creationId xmlns:a16="http://schemas.microsoft.com/office/drawing/2014/main" id="{B0E2F540-1951-4C65-A9B8-41BE07C77F03}"/>
+              </a:ext>
+            </a:extLst>
+          </p:cNvPr>
+          <p:cNvSpPr>
+            <a:spLocks noGrp="1"/>
+          </p:cNvSpPr>
+          <p:nvPr>
+            <p:ph idx="1"/>
+          </p:nvPr>
+        </p:nvSpPr>
+        <p:spPr/>
+        <p:txBody>
+          <a:bodyPr/>
+          <a:lstStyle/>
+          <a:p>
+            <a:r>
+              <a:rPr lang="en-US" dirty="0"/>
+              <a:t>Public interface </a:t>
+            </a:r>
+            <a:r>
+              <a:rPr lang="en-US" dirty="0" err="1"/>
+              <a:t>UnaryOperator</a:t>
+            </a:r>
+            <a:r>
+              <a:rPr lang="en-US" dirty="0"/>
+              <a:t> extends Function{</a:t>
+            </a:r>
+          </a:p>
+          <a:p>
+            <a:pPr marL="0" indent="0">
+              <a:buNone/>
+            </a:pPr>
+            <a:r>
+              <a:rPr lang="en-US" dirty="0"/>
+              <a:t>	public T apply(T t);</a:t>
+            </a:r>
+          </a:p>
+          <a:p>
+            <a:pPr marL="0" indent="0">
+              <a:buNone/>
+            </a:pPr>
+            <a:r>
+              <a:rPr lang="en-US" dirty="0"/>
+              <a:t>}</a:t>
+            </a:r>
+          </a:p>
+        </p:txBody>
+      </p:sp>
+    </p:spTree>
+    <p:extLst>
+      <p:ext uri="{BB962C8B-B14F-4D97-AF65-F5344CB8AC3E}">
+        <p14:creationId xmlns:p14="http://schemas.microsoft.com/office/powerpoint/2010/main" val="2279572681"/>
+      </p:ext>
+    </p:extLst>
+  </p:cSld>
+  <p:clrMapOvr>
+    <a:masterClrMapping/>
+  </p:clrMapOvr>
+</p:sld>
+</file>
+
 <file path=ppt/slides/slide4.xml><?xml version="1.0" encoding="utf-8"?>
 <p:sld xmlns:a="http://schemas.openxmlformats.org/drawingml/2006/main" xmlns:r="http://schemas.openxmlformats.org/officeDocument/2006/relationships" xmlns:p="http://schemas.openxmlformats.org/presentationml/2006/main">
   <p:cSld>
@@ -10901,6 +12298,732 @@
     <p:extLst>
       <p:ext uri="{BB962C8B-B14F-4D97-AF65-F5344CB8AC3E}">
         <p14:creationId xmlns:p14="http://schemas.microsoft.com/office/powerpoint/2010/main" val="534353727"/>
+      </p:ext>
+    </p:extLst>
+  </p:cSld>
+  <p:clrMapOvr>
+    <a:masterClrMapping/>
+  </p:clrMapOvr>
+</p:sld>
+</file>
+
+<file path=ppt/slides/slide40.xml><?xml version="1.0" encoding="utf-8"?>
+<p:sld xmlns:a="http://schemas.openxmlformats.org/drawingml/2006/main" xmlns:r="http://schemas.openxmlformats.org/officeDocument/2006/relationships" xmlns:p="http://schemas.openxmlformats.org/presentationml/2006/main">
+  <p:cSld>
+    <p:spTree>
+      <p:nvGrpSpPr>
+        <p:cNvPr id="1" name=""/>
+        <p:cNvGrpSpPr/>
+        <p:nvPr/>
+      </p:nvGrpSpPr>
+      <p:grpSpPr>
+        <a:xfrm>
+          <a:off x="0" y="0"/>
+          <a:ext cx="0" cy="0"/>
+          <a:chOff x="0" y="0"/>
+          <a:chExt cx="0" cy="0"/>
+        </a:xfrm>
+      </p:grpSpPr>
+      <p:sp>
+        <p:nvSpPr>
+          <p:cNvPr id="2" name="Title 1">
+            <a:extLst>
+              <a:ext uri="{FF2B5EF4-FFF2-40B4-BE49-F238E27FC236}">
+                <a16:creationId xmlns:a16="http://schemas.microsoft.com/office/drawing/2014/main" id="{BE529882-736B-4551-B6AB-F1FA69F17026}"/>
+              </a:ext>
+            </a:extLst>
+          </p:cNvPr>
+          <p:cNvSpPr>
+            <a:spLocks noGrp="1"/>
+          </p:cNvSpPr>
+          <p:nvPr>
+            <p:ph type="title"/>
+          </p:nvPr>
+        </p:nvSpPr>
+        <p:spPr/>
+        <p:txBody>
+          <a:bodyPr/>
+          <a:lstStyle/>
+          <a:p>
+            <a:r>
+              <a:rPr lang="en-US" dirty="0" err="1"/>
+              <a:t>BinaryOperator</a:t>
+            </a:r>
+            <a:endParaRPr lang="en-US" dirty="0"/>
+          </a:p>
+        </p:txBody>
+      </p:sp>
+      <p:sp>
+        <p:nvSpPr>
+          <p:cNvPr id="3" name="Content Placeholder 2">
+            <a:extLst>
+              <a:ext uri="{FF2B5EF4-FFF2-40B4-BE49-F238E27FC236}">
+                <a16:creationId xmlns:a16="http://schemas.microsoft.com/office/drawing/2014/main" id="{B0E2F540-1951-4C65-A9B8-41BE07C77F03}"/>
+              </a:ext>
+            </a:extLst>
+          </p:cNvPr>
+          <p:cNvSpPr>
+            <a:spLocks noGrp="1"/>
+          </p:cNvSpPr>
+          <p:nvPr>
+            <p:ph idx="1"/>
+          </p:nvPr>
+        </p:nvSpPr>
+        <p:spPr/>
+        <p:txBody>
+          <a:bodyPr/>
+          <a:lstStyle/>
+          <a:p>
+            <a:r>
+              <a:rPr lang="en-US" dirty="0"/>
+              <a:t>Public interface </a:t>
+            </a:r>
+            <a:r>
+              <a:rPr lang="en-US" dirty="0" err="1"/>
+              <a:t>BinaryOperator</a:t>
+            </a:r>
+            <a:r>
+              <a:rPr lang="en-US" dirty="0"/>
+              <a:t> extends </a:t>
+            </a:r>
+            <a:r>
+              <a:rPr lang="en-US" dirty="0" err="1"/>
+              <a:t>BiFunction</a:t>
+            </a:r>
+            <a:r>
+              <a:rPr lang="en-US" dirty="0"/>
+              <a:t>{</a:t>
+            </a:r>
+          </a:p>
+          <a:p>
+            <a:pPr marL="0" indent="0">
+              <a:buNone/>
+            </a:pPr>
+            <a:r>
+              <a:rPr lang="en-US" dirty="0"/>
+              <a:t>	public T apply(T </a:t>
+            </a:r>
+            <a:r>
+              <a:rPr lang="en-US" dirty="0" err="1"/>
+              <a:t>t</a:t>
+            </a:r>
+            <a:r>
+              <a:rPr lang="en-US" dirty="0"/>
+              <a:t>, T t);</a:t>
+            </a:r>
+          </a:p>
+          <a:p>
+            <a:pPr marL="0" indent="0">
+              <a:buNone/>
+            </a:pPr>
+            <a:r>
+              <a:rPr lang="en-US" dirty="0"/>
+              <a:t>}</a:t>
+            </a:r>
+          </a:p>
+        </p:txBody>
+      </p:sp>
+    </p:spTree>
+    <p:extLst>
+      <p:ext uri="{BB962C8B-B14F-4D97-AF65-F5344CB8AC3E}">
+        <p14:creationId xmlns:p14="http://schemas.microsoft.com/office/powerpoint/2010/main" val="2377369854"/>
+      </p:ext>
+    </p:extLst>
+  </p:cSld>
+  <p:clrMapOvr>
+    <a:masterClrMapping/>
+  </p:clrMapOvr>
+</p:sld>
+</file>
+
+<file path=ppt/slides/slide41.xml><?xml version="1.0" encoding="utf-8"?>
+<p:sld xmlns:a="http://schemas.openxmlformats.org/drawingml/2006/main" xmlns:r="http://schemas.openxmlformats.org/officeDocument/2006/relationships" xmlns:p="http://schemas.openxmlformats.org/presentationml/2006/main">
+  <p:cSld>
+    <p:spTree>
+      <p:nvGrpSpPr>
+        <p:cNvPr id="1" name=""/>
+        <p:cNvGrpSpPr/>
+        <p:nvPr/>
+      </p:nvGrpSpPr>
+      <p:grpSpPr>
+        <a:xfrm>
+          <a:off x="0" y="0"/>
+          <a:ext cx="0" cy="0"/>
+          <a:chOff x="0" y="0"/>
+          <a:chExt cx="0" cy="0"/>
+        </a:xfrm>
+      </p:grpSpPr>
+      <p:sp>
+        <p:nvSpPr>
+          <p:cNvPr id="2" name="Title 1">
+            <a:extLst>
+              <a:ext uri="{FF2B5EF4-FFF2-40B4-BE49-F238E27FC236}">
+                <a16:creationId xmlns:a16="http://schemas.microsoft.com/office/drawing/2014/main" id="{0D75E537-3911-4184-B714-FE9A956589CC}"/>
+              </a:ext>
+            </a:extLst>
+          </p:cNvPr>
+          <p:cNvSpPr>
+            <a:spLocks noGrp="1"/>
+          </p:cNvSpPr>
+          <p:nvPr>
+            <p:ph type="title"/>
+          </p:nvPr>
+        </p:nvSpPr>
+        <p:spPr/>
+        <p:txBody>
+          <a:bodyPr/>
+          <a:lstStyle/>
+          <a:p>
+            <a:r>
+              <a:rPr lang="en-US" dirty="0" err="1"/>
+              <a:t>Employee.json</a:t>
+            </a:r>
+            <a:endParaRPr lang="en-US" dirty="0"/>
+          </a:p>
+        </p:txBody>
+      </p:sp>
+      <p:sp>
+        <p:nvSpPr>
+          <p:cNvPr id="3" name="Content Placeholder 2">
+            <a:extLst>
+              <a:ext uri="{FF2B5EF4-FFF2-40B4-BE49-F238E27FC236}">
+                <a16:creationId xmlns:a16="http://schemas.microsoft.com/office/drawing/2014/main" id="{62504C0B-CAA9-46F4-B6E3-5DAFF75AA2E4}"/>
+              </a:ext>
+            </a:extLst>
+          </p:cNvPr>
+          <p:cNvSpPr>
+            <a:spLocks noGrp="1"/>
+          </p:cNvSpPr>
+          <p:nvPr>
+            <p:ph idx="1"/>
+          </p:nvPr>
+        </p:nvSpPr>
+        <p:spPr/>
+        <p:txBody>
+          <a:bodyPr/>
+          <a:lstStyle/>
+          <a:p>
+            <a:r>
+              <a:rPr lang="en-US" dirty="0"/>
+              <a:t>Count </a:t>
+            </a:r>
+            <a:r>
+              <a:rPr lang="en-US" dirty="0">
+                <a:sym typeface="Wingdings" panose="05000000000000000000" pitchFamily="2" charset="2"/>
+              </a:rPr>
+              <a:t> blue, brown </a:t>
+            </a:r>
+          </a:p>
+          <a:p>
+            <a:r>
+              <a:rPr lang="en-US" dirty="0">
+                <a:sym typeface="Wingdings" panose="05000000000000000000" pitchFamily="2" charset="2"/>
+              </a:rPr>
+              <a:t>Average salary  balance </a:t>
+            </a:r>
+          </a:p>
+          <a:p>
+            <a:r>
+              <a:rPr lang="en-US" dirty="0">
+                <a:sym typeface="Wingdings" panose="05000000000000000000" pitchFamily="2" charset="2"/>
+              </a:rPr>
+              <a:t>Min</a:t>
+            </a:r>
+          </a:p>
+          <a:p>
+            <a:r>
+              <a:rPr lang="en-US" dirty="0">
+                <a:sym typeface="Wingdings" panose="05000000000000000000" pitchFamily="2" charset="2"/>
+              </a:rPr>
+              <a:t>Max</a:t>
+            </a:r>
+          </a:p>
+          <a:p>
+            <a:endParaRPr lang="en-US" dirty="0"/>
+          </a:p>
+        </p:txBody>
+      </p:sp>
+    </p:spTree>
+    <p:extLst>
+      <p:ext uri="{BB962C8B-B14F-4D97-AF65-F5344CB8AC3E}">
+        <p14:creationId xmlns:p14="http://schemas.microsoft.com/office/powerpoint/2010/main" val="3442322595"/>
+      </p:ext>
+    </p:extLst>
+  </p:cSld>
+  <p:clrMapOvr>
+    <a:masterClrMapping/>
+  </p:clrMapOvr>
+</p:sld>
+</file>
+
+<file path=ppt/slides/slide42.xml><?xml version="1.0" encoding="utf-8"?>
+<p:sld xmlns:a="http://schemas.openxmlformats.org/drawingml/2006/main" xmlns:r="http://schemas.openxmlformats.org/officeDocument/2006/relationships" xmlns:p="http://schemas.openxmlformats.org/presentationml/2006/main">
+  <p:cSld>
+    <p:spTree>
+      <p:nvGrpSpPr>
+        <p:cNvPr id="1" name=""/>
+        <p:cNvGrpSpPr/>
+        <p:nvPr/>
+      </p:nvGrpSpPr>
+      <p:grpSpPr>
+        <a:xfrm>
+          <a:off x="0" y="0"/>
+          <a:ext cx="0" cy="0"/>
+          <a:chOff x="0" y="0"/>
+          <a:chExt cx="0" cy="0"/>
+        </a:xfrm>
+      </p:grpSpPr>
+      <p:sp>
+        <p:nvSpPr>
+          <p:cNvPr id="2" name="Title 1">
+            <a:extLst>
+              <a:ext uri="{FF2B5EF4-FFF2-40B4-BE49-F238E27FC236}">
+                <a16:creationId xmlns:a16="http://schemas.microsoft.com/office/drawing/2014/main" id="{BD897055-F297-479C-B9B8-CAC709CF350B}"/>
+              </a:ext>
+            </a:extLst>
+          </p:cNvPr>
+          <p:cNvSpPr>
+            <a:spLocks noGrp="1"/>
+          </p:cNvSpPr>
+          <p:nvPr>
+            <p:ph type="title"/>
+          </p:nvPr>
+        </p:nvSpPr>
+        <p:spPr/>
+        <p:txBody>
+          <a:bodyPr/>
+          <a:lstStyle/>
+          <a:p>
+            <a:r>
+              <a:rPr lang="en-US" dirty="0" err="1"/>
+              <a:t>flatMap</a:t>
+            </a:r>
+            <a:endParaRPr lang="en-US" dirty="0"/>
+          </a:p>
+        </p:txBody>
+      </p:sp>
+      <p:sp>
+        <p:nvSpPr>
+          <p:cNvPr id="3" name="Content Placeholder 2">
+            <a:extLst>
+              <a:ext uri="{FF2B5EF4-FFF2-40B4-BE49-F238E27FC236}">
+                <a16:creationId xmlns:a16="http://schemas.microsoft.com/office/drawing/2014/main" id="{1A42052D-B4F7-460B-A8F6-7F822637964F}"/>
+              </a:ext>
+            </a:extLst>
+          </p:cNvPr>
+          <p:cNvSpPr>
+            <a:spLocks noGrp="1"/>
+          </p:cNvSpPr>
+          <p:nvPr>
+            <p:ph idx="1"/>
+          </p:nvPr>
+        </p:nvSpPr>
+        <p:spPr/>
+        <p:txBody>
+          <a:bodyPr/>
+          <a:lstStyle/>
+          <a:p>
+            <a:r>
+              <a:rPr lang="en-US" dirty="0" err="1"/>
+              <a:t>Flattern</a:t>
+            </a:r>
+            <a:r>
+              <a:rPr lang="en-US" dirty="0"/>
+              <a:t> the streams</a:t>
+            </a:r>
+          </a:p>
+          <a:p>
+            <a:pPr lvl="1"/>
+            <a:r>
+              <a:rPr lang="en-US" dirty="0"/>
+              <a:t>Group of group </a:t>
+            </a:r>
+            <a:r>
+              <a:rPr lang="en-US" dirty="0">
+                <a:sym typeface="Wingdings" panose="05000000000000000000" pitchFamily="2" charset="2"/>
+              </a:rPr>
+              <a:t> group</a:t>
+            </a:r>
+            <a:endParaRPr lang="en-US" dirty="0"/>
+          </a:p>
+          <a:p>
+            <a:pPr lvl="1"/>
+            <a:r>
+              <a:rPr lang="en-US" dirty="0"/>
+              <a:t>List if list </a:t>
+            </a:r>
+            <a:r>
+              <a:rPr lang="en-US" dirty="0">
+                <a:sym typeface="Wingdings" panose="05000000000000000000" pitchFamily="2" charset="2"/>
+              </a:rPr>
+              <a:t> list</a:t>
+            </a:r>
+            <a:endParaRPr lang="en-US" dirty="0"/>
+          </a:p>
+          <a:p>
+            <a:pPr lvl="1"/>
+            <a:r>
+              <a:rPr lang="en-US" dirty="0"/>
+              <a:t>Array of array </a:t>
+            </a:r>
+            <a:r>
+              <a:rPr lang="en-US" dirty="0">
+                <a:sym typeface="Wingdings" panose="05000000000000000000" pitchFamily="2" charset="2"/>
+              </a:rPr>
+              <a:t> array</a:t>
+            </a:r>
+            <a:endParaRPr lang="en-US" dirty="0"/>
+          </a:p>
+          <a:p>
+            <a:pPr lvl="1"/>
+            <a:endParaRPr lang="en-US" dirty="0"/>
+          </a:p>
+        </p:txBody>
+      </p:sp>
+    </p:spTree>
+    <p:extLst>
+      <p:ext uri="{BB962C8B-B14F-4D97-AF65-F5344CB8AC3E}">
+        <p14:creationId xmlns:p14="http://schemas.microsoft.com/office/powerpoint/2010/main" val="2096389422"/>
+      </p:ext>
+    </p:extLst>
+  </p:cSld>
+  <p:clrMapOvr>
+    <a:masterClrMapping/>
+  </p:clrMapOvr>
+</p:sld>
+</file>
+
+<file path=ppt/slides/slide43.xml><?xml version="1.0" encoding="utf-8"?>
+<p:sld xmlns:a="http://schemas.openxmlformats.org/drawingml/2006/main" xmlns:r="http://schemas.openxmlformats.org/officeDocument/2006/relationships" xmlns:p="http://schemas.openxmlformats.org/presentationml/2006/main">
+  <p:cSld>
+    <p:spTree>
+      <p:nvGrpSpPr>
+        <p:cNvPr id="1" name=""/>
+        <p:cNvGrpSpPr/>
+        <p:nvPr/>
+      </p:nvGrpSpPr>
+      <p:grpSpPr>
+        <a:xfrm>
+          <a:off x="0" y="0"/>
+          <a:ext cx="0" cy="0"/>
+          <a:chOff x="0" y="0"/>
+          <a:chExt cx="0" cy="0"/>
+        </a:xfrm>
+      </p:grpSpPr>
+      <p:sp>
+        <p:nvSpPr>
+          <p:cNvPr id="2" name="Title 1">
+            <a:extLst>
+              <a:ext uri="{FF2B5EF4-FFF2-40B4-BE49-F238E27FC236}">
+                <a16:creationId xmlns:a16="http://schemas.microsoft.com/office/drawing/2014/main" id="{8B9D45CF-2912-4872-9DAE-DD06B70C592C}"/>
+              </a:ext>
+            </a:extLst>
+          </p:cNvPr>
+          <p:cNvSpPr>
+            <a:spLocks noGrp="1"/>
+          </p:cNvSpPr>
+          <p:nvPr>
+            <p:ph type="title"/>
+          </p:nvPr>
+        </p:nvSpPr>
+        <p:spPr/>
+        <p:txBody>
+          <a:bodyPr/>
+          <a:lstStyle/>
+          <a:p>
+            <a:r>
+              <a:rPr lang="en-US" dirty="0"/>
+              <a:t>Employee</a:t>
+            </a:r>
+          </a:p>
+        </p:txBody>
+      </p:sp>
+      <p:sp>
+        <p:nvSpPr>
+          <p:cNvPr id="3" name="Content Placeholder 2">
+            <a:extLst>
+              <a:ext uri="{FF2B5EF4-FFF2-40B4-BE49-F238E27FC236}">
+                <a16:creationId xmlns:a16="http://schemas.microsoft.com/office/drawing/2014/main" id="{85BDFE25-9181-4687-B4BA-7F2B24A24ABC}"/>
+              </a:ext>
+            </a:extLst>
+          </p:cNvPr>
+          <p:cNvSpPr>
+            <a:spLocks noGrp="1"/>
+          </p:cNvSpPr>
+          <p:nvPr>
+            <p:ph idx="1"/>
+          </p:nvPr>
+        </p:nvSpPr>
+        <p:spPr/>
+        <p:txBody>
+          <a:bodyPr/>
+          <a:lstStyle/>
+          <a:p>
+            <a:r>
+              <a:rPr lang="en-US" dirty="0" err="1"/>
+              <a:t>employeeId</a:t>
+            </a:r>
+            <a:endParaRPr lang="en-US" dirty="0"/>
+          </a:p>
+          <a:p>
+            <a:r>
+              <a:rPr lang="en-US" dirty="0" err="1"/>
+              <a:t>firstName</a:t>
+            </a:r>
+            <a:endParaRPr lang="en-US" dirty="0"/>
+          </a:p>
+          <a:p>
+            <a:r>
+              <a:rPr lang="en-US" dirty="0" err="1"/>
+              <a:t>lastName</a:t>
+            </a:r>
+            <a:endParaRPr lang="en-US" dirty="0"/>
+          </a:p>
+          <a:p>
+            <a:r>
+              <a:rPr lang="en-US" dirty="0"/>
+              <a:t>List&lt;String&gt; projects;</a:t>
+            </a:r>
+          </a:p>
+          <a:p>
+            <a:endParaRPr lang="en-US" dirty="0"/>
+          </a:p>
+          <a:p>
+            <a:r>
+              <a:rPr lang="en-US" dirty="0"/>
+              <a:t>List&lt;Employee&gt; emps=new &lt;&gt;;</a:t>
+            </a:r>
+          </a:p>
+          <a:p>
+            <a:endParaRPr lang="en-US" dirty="0"/>
+          </a:p>
+        </p:txBody>
+      </p:sp>
+    </p:spTree>
+    <p:extLst>
+      <p:ext uri="{BB962C8B-B14F-4D97-AF65-F5344CB8AC3E}">
+        <p14:creationId xmlns:p14="http://schemas.microsoft.com/office/powerpoint/2010/main" val="47322426"/>
+      </p:ext>
+    </p:extLst>
+  </p:cSld>
+  <p:clrMapOvr>
+    <a:masterClrMapping/>
+  </p:clrMapOvr>
+</p:sld>
+</file>
+
+<file path=ppt/slides/slide44.xml><?xml version="1.0" encoding="utf-8"?>
+<p:sld xmlns:a="http://schemas.openxmlformats.org/drawingml/2006/main" xmlns:r="http://schemas.openxmlformats.org/officeDocument/2006/relationships" xmlns:p="http://schemas.openxmlformats.org/presentationml/2006/main">
+  <p:cSld>
+    <p:spTree>
+      <p:nvGrpSpPr>
+        <p:cNvPr id="1" name=""/>
+        <p:cNvGrpSpPr/>
+        <p:nvPr/>
+      </p:nvGrpSpPr>
+      <p:grpSpPr>
+        <a:xfrm>
+          <a:off x="0" y="0"/>
+          <a:ext cx="0" cy="0"/>
+          <a:chOff x="0" y="0"/>
+          <a:chExt cx="0" cy="0"/>
+        </a:xfrm>
+      </p:grpSpPr>
+      <p:sp>
+        <p:nvSpPr>
+          <p:cNvPr id="2" name="Title 1">
+            <a:extLst>
+              <a:ext uri="{FF2B5EF4-FFF2-40B4-BE49-F238E27FC236}">
+                <a16:creationId xmlns:a16="http://schemas.microsoft.com/office/drawing/2014/main" id="{D263AEE7-423A-4DBF-9A20-9BB848B13EAA}"/>
+              </a:ext>
+            </a:extLst>
+          </p:cNvPr>
+          <p:cNvSpPr>
+            <a:spLocks noGrp="1"/>
+          </p:cNvSpPr>
+          <p:nvPr>
+            <p:ph type="title"/>
+          </p:nvPr>
+        </p:nvSpPr>
+        <p:spPr/>
+        <p:txBody>
+          <a:bodyPr/>
+          <a:lstStyle/>
+          <a:p>
+            <a:r>
+              <a:rPr lang="en-US" dirty="0"/>
+              <a:t>Optional&lt;T&gt;</a:t>
+            </a:r>
+          </a:p>
+        </p:txBody>
+      </p:sp>
+      <p:sp>
+        <p:nvSpPr>
+          <p:cNvPr id="3" name="Content Placeholder 2">
+            <a:extLst>
+              <a:ext uri="{FF2B5EF4-FFF2-40B4-BE49-F238E27FC236}">
+                <a16:creationId xmlns:a16="http://schemas.microsoft.com/office/drawing/2014/main" id="{EFB3F73C-24DD-4599-BFB3-379344AE28D6}"/>
+              </a:ext>
+            </a:extLst>
+          </p:cNvPr>
+          <p:cNvSpPr>
+            <a:spLocks noGrp="1"/>
+          </p:cNvSpPr>
+          <p:nvPr>
+            <p:ph idx="1"/>
+          </p:nvPr>
+        </p:nvSpPr>
+        <p:spPr/>
+        <p:txBody>
+          <a:bodyPr/>
+          <a:lstStyle/>
+          <a:p>
+            <a:r>
+              <a:rPr lang="en-US" dirty="0"/>
+              <a:t>Null pointer exception </a:t>
+            </a:r>
+          </a:p>
+          <a:p>
+            <a:r>
+              <a:rPr lang="en-US" dirty="0"/>
+              <a:t>Escape from Null pointer exception </a:t>
+            </a:r>
+          </a:p>
+          <a:p>
+            <a:endParaRPr lang="en-US" dirty="0"/>
+          </a:p>
+        </p:txBody>
+      </p:sp>
+    </p:spTree>
+    <p:extLst>
+      <p:ext uri="{BB962C8B-B14F-4D97-AF65-F5344CB8AC3E}">
+        <p14:creationId xmlns:p14="http://schemas.microsoft.com/office/powerpoint/2010/main" val="3552985068"/>
+      </p:ext>
+    </p:extLst>
+  </p:cSld>
+  <p:clrMapOvr>
+    <a:masterClrMapping/>
+  </p:clrMapOvr>
+</p:sld>
+</file>
+
+<file path=ppt/slides/slide45.xml><?xml version="1.0" encoding="utf-8"?>
+<p:sld xmlns:a="http://schemas.openxmlformats.org/drawingml/2006/main" xmlns:r="http://schemas.openxmlformats.org/officeDocument/2006/relationships" xmlns:p="http://schemas.openxmlformats.org/presentationml/2006/main">
+  <p:cSld>
+    <p:spTree>
+      <p:nvGrpSpPr>
+        <p:cNvPr id="1" name=""/>
+        <p:cNvGrpSpPr/>
+        <p:nvPr/>
+      </p:nvGrpSpPr>
+      <p:grpSpPr>
+        <a:xfrm>
+          <a:off x="0" y="0"/>
+          <a:ext cx="0" cy="0"/>
+          <a:chOff x="0" y="0"/>
+          <a:chExt cx="0" cy="0"/>
+        </a:xfrm>
+      </p:grpSpPr>
+      <p:sp>
+        <p:nvSpPr>
+          <p:cNvPr id="2" name="Title 1">
+            <a:extLst>
+              <a:ext uri="{FF2B5EF4-FFF2-40B4-BE49-F238E27FC236}">
+                <a16:creationId xmlns:a16="http://schemas.microsoft.com/office/drawing/2014/main" id="{7A38596B-A5AD-4F40-8B4F-F9EEB76C4006}"/>
+              </a:ext>
+            </a:extLst>
+          </p:cNvPr>
+          <p:cNvSpPr>
+            <a:spLocks noGrp="1"/>
+          </p:cNvSpPr>
+          <p:nvPr>
+            <p:ph type="title"/>
+          </p:nvPr>
+        </p:nvSpPr>
+        <p:spPr/>
+        <p:txBody>
+          <a:bodyPr/>
+          <a:lstStyle/>
+          <a:p>
+            <a:r>
+              <a:rPr lang="en-US" dirty="0"/>
+              <a:t>Topics</a:t>
+            </a:r>
+          </a:p>
+        </p:txBody>
+      </p:sp>
+      <p:sp>
+        <p:nvSpPr>
+          <p:cNvPr id="3" name="Content Placeholder 2">
+            <a:extLst>
+              <a:ext uri="{FF2B5EF4-FFF2-40B4-BE49-F238E27FC236}">
+                <a16:creationId xmlns:a16="http://schemas.microsoft.com/office/drawing/2014/main" id="{2F18968C-C1C4-48CC-8C4F-674E06D07B47}"/>
+              </a:ext>
+            </a:extLst>
+          </p:cNvPr>
+          <p:cNvSpPr>
+            <a:spLocks noGrp="1"/>
+          </p:cNvSpPr>
+          <p:nvPr>
+            <p:ph idx="1"/>
+          </p:nvPr>
+        </p:nvSpPr>
+        <p:spPr/>
+        <p:txBody>
+          <a:bodyPr/>
+          <a:lstStyle/>
+          <a:p>
+            <a:r>
+              <a:rPr lang="en-US" dirty="0" err="1"/>
+              <a:t>dataAnd</a:t>
+            </a:r>
+            <a:r>
+              <a:rPr lang="en-US" dirty="0"/>
+              <a:t> Time</a:t>
+            </a:r>
+          </a:p>
+          <a:p>
+            <a:r>
+              <a:rPr lang="en-US" dirty="0"/>
+              <a:t>String joiners</a:t>
+            </a:r>
+          </a:p>
+          <a:p>
+            <a:r>
+              <a:rPr lang="en-US" dirty="0" err="1"/>
+              <a:t>parallelSort</a:t>
+            </a:r>
+            <a:endParaRPr lang="en-US" dirty="0"/>
+          </a:p>
+          <a:p>
+            <a:r>
+              <a:rPr lang="en-US" dirty="0" err="1"/>
+              <a:t>Nashron</a:t>
+            </a:r>
+            <a:r>
+              <a:rPr lang="en-US" dirty="0"/>
+              <a:t> JS </a:t>
+            </a:r>
+            <a:r>
+              <a:rPr lang="en-US" dirty="0">
+                <a:sym typeface="Wingdings" panose="05000000000000000000" pitchFamily="2" charset="2"/>
+              </a:rPr>
+              <a:t></a:t>
+            </a:r>
+            <a:r>
+              <a:rPr lang="en-US" dirty="0" err="1">
+                <a:sym typeface="Wingdings" panose="05000000000000000000" pitchFamily="2" charset="2"/>
+              </a:rPr>
+              <a:t>jjs</a:t>
+            </a:r>
+            <a:endParaRPr lang="en-US" dirty="0"/>
+          </a:p>
+        </p:txBody>
+      </p:sp>
+    </p:spTree>
+    <p:extLst>
+      <p:ext uri="{BB962C8B-B14F-4D97-AF65-F5344CB8AC3E}">
+        <p14:creationId xmlns:p14="http://schemas.microsoft.com/office/powerpoint/2010/main" val="1185478092"/>
       </p:ext>
     </p:extLst>
   </p:cSld>
